--- a/XPlanningEvaluation/data/instruction/cropped-instruction.pptx
+++ b/XPlanningEvaluation/data/instruction/cropped-instruction.pptx
@@ -115,6 +115,11 @@
       </a:defRPr>
     </a:lvl9pPr>
   </p:defaultTextStyle>
+  <p:extLst>
+    <p:ext uri="{EFAFB233-063F-42B5-8137-9DF3F51BA10A}">
+      <p15:sldGuideLst xmlns:p15="http://schemas.microsoft.com/office/powerpoint/2012/main"/>
+    </p:ext>
+  </p:extLst>
 </p:presentation>
 </file>
 
@@ -8882,6 +8887,76 @@
           </p:txBody>
         </p:sp>
       </p:grpSp>
+      <p:sp>
+        <p:nvSpPr>
+          <p:cNvPr id="29" name="TextBox 28">
+            <a:extLst>
+              <a:ext uri="{FF2B5EF4-FFF2-40B4-BE49-F238E27FC236}">
+                <a16:creationId xmlns:a16="http://schemas.microsoft.com/office/drawing/2014/main" id="{E0445157-36A2-3141-80D0-8AC3CAEAD00B}"/>
+              </a:ext>
+            </a:extLst>
+          </p:cNvPr>
+          <p:cNvSpPr txBox="1"/>
+          <p:nvPr/>
+        </p:nvSpPr>
+        <p:spPr>
+          <a:xfrm>
+            <a:off x="656246" y="2556882"/>
+            <a:ext cx="632289" cy="369332"/>
+          </a:xfrm>
+          <a:prstGeom prst="rect">
+            <a:avLst/>
+          </a:prstGeom>
+          <a:noFill/>
+        </p:spPr>
+        <p:txBody>
+          <a:bodyPr wrap="none" rtlCol="0">
+            <a:spAutoFit/>
+          </a:bodyPr>
+          <a:lstStyle/>
+          <a:p>
+            <a:r>
+              <a:rPr lang="en-US" dirty="0"/>
+              <a:t>Start</a:t>
+            </a:r>
+          </a:p>
+        </p:txBody>
+      </p:sp>
+      <p:sp>
+        <p:nvSpPr>
+          <p:cNvPr id="30" name="TextBox 29">
+            <a:extLst>
+              <a:ext uri="{FF2B5EF4-FFF2-40B4-BE49-F238E27FC236}">
+                <a16:creationId xmlns:a16="http://schemas.microsoft.com/office/drawing/2014/main" id="{6536BE9F-1F3A-164C-ABD7-3BA6A5A9C7BB}"/>
+              </a:ext>
+            </a:extLst>
+          </p:cNvPr>
+          <p:cNvSpPr txBox="1"/>
+          <p:nvPr/>
+        </p:nvSpPr>
+        <p:spPr>
+          <a:xfrm>
+            <a:off x="6160323" y="2556882"/>
+            <a:ext cx="615874" cy="369332"/>
+          </a:xfrm>
+          <a:prstGeom prst="rect">
+            <a:avLst/>
+          </a:prstGeom>
+          <a:noFill/>
+        </p:spPr>
+        <p:txBody>
+          <a:bodyPr wrap="none" rtlCol="0">
+            <a:spAutoFit/>
+          </a:bodyPr>
+          <a:lstStyle/>
+          <a:p>
+            <a:r>
+              <a:rPr lang="en-US" dirty="0"/>
+              <a:t>Goal</a:t>
+            </a:r>
+          </a:p>
+        </p:txBody>
+      </p:sp>
     </p:spTree>
     <p:extLst>
       <p:ext uri="{BB962C8B-B14F-4D97-AF65-F5344CB8AC3E}">

--- a/XPlanningEvaluation/data/instruction/cropped-instruction.pptx
+++ b/XPlanningEvaluation/data/instruction/cropped-instruction.pptx
@@ -252,7 +252,7 @@
           <a:p>
             <a:fld id="{27BCE1D4-18BF-8B43-BAE6-89028543CF06}" type="datetimeFigureOut">
               <a:rPr lang="en-US" smtClean="0"/>
-              <a:t>8/22/19</a:t>
+              <a:t>9/9/19</a:t>
             </a:fld>
             <a:endParaRPr lang="en-US"/>
           </a:p>
@@ -422,7 +422,7 @@
           <a:p>
             <a:fld id="{27BCE1D4-18BF-8B43-BAE6-89028543CF06}" type="datetimeFigureOut">
               <a:rPr lang="en-US" smtClean="0"/>
-              <a:t>8/22/19</a:t>
+              <a:t>9/9/19</a:t>
             </a:fld>
             <a:endParaRPr lang="en-US"/>
           </a:p>
@@ -602,7 +602,7 @@
           <a:p>
             <a:fld id="{27BCE1D4-18BF-8B43-BAE6-89028543CF06}" type="datetimeFigureOut">
               <a:rPr lang="en-US" smtClean="0"/>
-              <a:t>8/22/19</a:t>
+              <a:t>9/9/19</a:t>
             </a:fld>
             <a:endParaRPr lang="en-US"/>
           </a:p>
@@ -772,7 +772,7 @@
           <a:p>
             <a:fld id="{27BCE1D4-18BF-8B43-BAE6-89028543CF06}" type="datetimeFigureOut">
               <a:rPr lang="en-US" smtClean="0"/>
-              <a:t>8/22/19</a:t>
+              <a:t>9/9/19</a:t>
             </a:fld>
             <a:endParaRPr lang="en-US"/>
           </a:p>
@@ -1018,7 +1018,7 @@
           <a:p>
             <a:fld id="{27BCE1D4-18BF-8B43-BAE6-89028543CF06}" type="datetimeFigureOut">
               <a:rPr lang="en-US" smtClean="0"/>
-              <a:t>8/22/19</a:t>
+              <a:t>9/9/19</a:t>
             </a:fld>
             <a:endParaRPr lang="en-US"/>
           </a:p>
@@ -1250,7 +1250,7 @@
           <a:p>
             <a:fld id="{27BCE1D4-18BF-8B43-BAE6-89028543CF06}" type="datetimeFigureOut">
               <a:rPr lang="en-US" smtClean="0"/>
-              <a:t>8/22/19</a:t>
+              <a:t>9/9/19</a:t>
             </a:fld>
             <a:endParaRPr lang="en-US"/>
           </a:p>
@@ -1617,7 +1617,7 @@
           <a:p>
             <a:fld id="{27BCE1D4-18BF-8B43-BAE6-89028543CF06}" type="datetimeFigureOut">
               <a:rPr lang="en-US" smtClean="0"/>
-              <a:t>8/22/19</a:t>
+              <a:t>9/9/19</a:t>
             </a:fld>
             <a:endParaRPr lang="en-US"/>
           </a:p>
@@ -1735,7 +1735,7 @@
           <a:p>
             <a:fld id="{27BCE1D4-18BF-8B43-BAE6-89028543CF06}" type="datetimeFigureOut">
               <a:rPr lang="en-US" smtClean="0"/>
-              <a:t>8/22/19</a:t>
+              <a:t>9/9/19</a:t>
             </a:fld>
             <a:endParaRPr lang="en-US"/>
           </a:p>
@@ -1830,7 +1830,7 @@
           <a:p>
             <a:fld id="{27BCE1D4-18BF-8B43-BAE6-89028543CF06}" type="datetimeFigureOut">
               <a:rPr lang="en-US" smtClean="0"/>
-              <a:t>8/22/19</a:t>
+              <a:t>9/9/19</a:t>
             </a:fld>
             <a:endParaRPr lang="en-US"/>
           </a:p>
@@ -2107,7 +2107,7 @@
           <a:p>
             <a:fld id="{27BCE1D4-18BF-8B43-BAE6-89028543CF06}" type="datetimeFigureOut">
               <a:rPr lang="en-US" smtClean="0"/>
-              <a:t>8/22/19</a:t>
+              <a:t>9/9/19</a:t>
             </a:fld>
             <a:endParaRPr lang="en-US"/>
           </a:p>
@@ -2364,7 +2364,7 @@
           <a:p>
             <a:fld id="{27BCE1D4-18BF-8B43-BAE6-89028543CF06}" type="datetimeFigureOut">
               <a:rPr lang="en-US" smtClean="0"/>
-              <a:t>8/22/19</a:t>
+              <a:t>9/9/19</a:t>
             </a:fld>
             <a:endParaRPr lang="en-US"/>
           </a:p>
@@ -2577,7 +2577,7 @@
           <a:p>
             <a:fld id="{27BCE1D4-18BF-8B43-BAE6-89028543CF06}" type="datetimeFigureOut">
               <a:rPr lang="en-US" smtClean="0"/>
-              <a:t>8/22/19</a:t>
+              <a:t>9/9/19</a:t>
             </a:fld>
             <a:endParaRPr lang="en-US"/>
           </a:p>
@@ -7306,7 +7306,7 @@
         <p:spPr>
           <a:xfrm>
             <a:off x="3359575" y="0"/>
-            <a:ext cx="1668149" cy="369332"/>
+            <a:ext cx="1757917" cy="369332"/>
           </a:xfrm>
           <a:prstGeom prst="rect">
             <a:avLst/>
@@ -7321,7 +7321,7 @@
           <a:p>
             <a:r>
               <a:rPr lang="en-US" dirty="0"/>
-              <a:t>Sparse Obstacle</a:t>
+              <a:t>Sparse Obstacles</a:t>
             </a:r>
           </a:p>
         </p:txBody>
@@ -7341,7 +7341,7 @@
         <p:spPr>
           <a:xfrm>
             <a:off x="2993815" y="3285849"/>
-            <a:ext cx="1633652" cy="369332"/>
+            <a:ext cx="1723421" cy="369332"/>
           </a:xfrm>
           <a:prstGeom prst="rect">
             <a:avLst/>
@@ -7356,7 +7356,7 @@
           <a:p>
             <a:r>
               <a:rPr lang="en-US" dirty="0"/>
-              <a:t>Dense Obstacle</a:t>
+              <a:t>Dense Obstacles</a:t>
             </a:r>
           </a:p>
         </p:txBody>
@@ -7378,8 +7378,8 @@
         </p:nvCxnSpPr>
         <p:spPr>
           <a:xfrm rot="16200000" flipH="1">
-            <a:off x="4178812" y="384169"/>
-            <a:ext cx="463495" cy="433819"/>
+            <a:off x="4201254" y="406611"/>
+            <a:ext cx="463494" cy="388935"/>
           </a:xfrm>
           <a:prstGeom prst="curvedConnector3">
             <a:avLst>
@@ -7425,8 +7425,8 @@
         </p:nvCxnSpPr>
         <p:spPr>
           <a:xfrm rot="16200000" flipV="1">
-            <a:off x="3082534" y="2557741"/>
-            <a:ext cx="832825" cy="623391"/>
+            <a:off x="3104977" y="2535300"/>
+            <a:ext cx="832824" cy="668274"/>
           </a:xfrm>
           <a:prstGeom prst="curvedConnector3">
             <a:avLst/>
@@ -9070,856 +9070,6 @@
           </a:p>
         </p:txBody>
       </p:sp>
-      <p:grpSp>
-        <p:nvGrpSpPr>
-          <p:cNvPr id="33" name="Group 32">
-            <a:extLst>
-              <a:ext uri="{FF2B5EF4-FFF2-40B4-BE49-F238E27FC236}">
-                <a16:creationId xmlns:a16="http://schemas.microsoft.com/office/drawing/2014/main" id="{EB00F125-4F7F-AC4F-92C1-9371B4243BED}"/>
-              </a:ext>
-            </a:extLst>
-          </p:cNvPr>
-          <p:cNvGrpSpPr/>
-          <p:nvPr/>
-        </p:nvGrpSpPr>
-        <p:grpSpPr>
-          <a:xfrm>
-            <a:off x="6892707" y="820435"/>
-            <a:ext cx="2566106" cy="369332"/>
-            <a:chOff x="7514448" y="2233629"/>
-            <a:chExt cx="2566106" cy="369332"/>
-          </a:xfrm>
-        </p:grpSpPr>
-        <p:sp>
-          <p:nvSpPr>
-            <p:cNvPr id="34" name="TextBox 33">
-              <a:extLst>
-                <a:ext uri="{FF2B5EF4-FFF2-40B4-BE49-F238E27FC236}">
-                  <a16:creationId xmlns:a16="http://schemas.microsoft.com/office/drawing/2014/main" id="{75B74265-54B1-D54B-B4FC-6A44E2BCC377}"/>
-                </a:ext>
-              </a:extLst>
-            </p:cNvPr>
-            <p:cNvSpPr txBox="1"/>
-            <p:nvPr/>
-          </p:nvSpPr>
-          <p:spPr>
-            <a:xfrm>
-              <a:off x="7514448" y="2233629"/>
-              <a:ext cx="2143498" cy="369332"/>
-            </a:xfrm>
-            <a:prstGeom prst="rect">
-              <a:avLst/>
-            </a:prstGeom>
-            <a:noFill/>
-          </p:spPr>
-          <p:txBody>
-            <a:bodyPr wrap="square" rtlCol="0">
-              <a:spAutoFit/>
-            </a:bodyPr>
-            <a:lstStyle/>
-            <a:p>
-              <a:r>
-                <a:rPr lang="en-US" dirty="0"/>
-                <a:t>SO = Sparse Obstacle</a:t>
-              </a:r>
-            </a:p>
-          </p:txBody>
-        </p:sp>
-        <p:grpSp>
-          <p:nvGrpSpPr>
-            <p:cNvPr id="35" name="Group 34">
-              <a:extLst>
-                <a:ext uri="{FF2B5EF4-FFF2-40B4-BE49-F238E27FC236}">
-                  <a16:creationId xmlns:a16="http://schemas.microsoft.com/office/drawing/2014/main" id="{2E7A34F4-3868-8748-8094-0CCE0031E81B}"/>
-                </a:ext>
-              </a:extLst>
-            </p:cNvPr>
-            <p:cNvGrpSpPr/>
-            <p:nvPr/>
-          </p:nvGrpSpPr>
-          <p:grpSpPr>
-            <a:xfrm>
-              <a:off x="9714794" y="2270775"/>
-              <a:ext cx="365760" cy="295041"/>
-              <a:chOff x="7803055" y="2574583"/>
-              <a:chExt cx="365760" cy="295041"/>
-            </a:xfrm>
-          </p:grpSpPr>
-          <p:sp>
-            <p:nvSpPr>
-              <p:cNvPr id="36" name="Cube 35">
-                <a:extLst>
-                  <a:ext uri="{FF2B5EF4-FFF2-40B4-BE49-F238E27FC236}">
-                    <a16:creationId xmlns:a16="http://schemas.microsoft.com/office/drawing/2014/main" id="{64D7CD50-4057-BB48-8764-F1CC1E965541}"/>
-                  </a:ext>
-                </a:extLst>
-              </p:cNvPr>
-              <p:cNvSpPr>
-                <a:spLocks noChangeAspect="1"/>
-              </p:cNvSpPr>
-              <p:nvPr/>
-            </p:nvSpPr>
-            <p:spPr>
-              <a:xfrm>
-                <a:off x="7803055" y="2686744"/>
-                <a:ext cx="182880" cy="182880"/>
-              </a:xfrm>
-              <a:prstGeom prst="cube">
-                <a:avLst/>
-              </a:prstGeom>
-              <a:solidFill>
-                <a:schemeClr val="accent4">
-                  <a:lumMod val="75000"/>
-                </a:schemeClr>
-              </a:solidFill>
-              <a:ln>
-                <a:solidFill>
-                  <a:schemeClr val="tx1"/>
-                </a:solidFill>
-              </a:ln>
-            </p:spPr>
-            <p:style>
-              <a:lnRef idx="2">
-                <a:schemeClr val="accent1">
-                  <a:shade val="50000"/>
-                </a:schemeClr>
-              </a:lnRef>
-              <a:fillRef idx="1">
-                <a:schemeClr val="accent1"/>
-              </a:fillRef>
-              <a:effectRef idx="0">
-                <a:schemeClr val="accent1"/>
-              </a:effectRef>
-              <a:fontRef idx="minor">
-                <a:schemeClr val="lt1"/>
-              </a:fontRef>
-            </p:style>
-            <p:txBody>
-              <a:bodyPr rtlCol="0" anchor="ctr"/>
-              <a:lstStyle/>
-              <a:p>
-                <a:pPr algn="ctr"/>
-                <a:endParaRPr lang="en-US"/>
-              </a:p>
-            </p:txBody>
-          </p:sp>
-          <p:sp>
-            <p:nvSpPr>
-              <p:cNvPr id="37" name="Cube 36">
-                <a:extLst>
-                  <a:ext uri="{FF2B5EF4-FFF2-40B4-BE49-F238E27FC236}">
-                    <a16:creationId xmlns:a16="http://schemas.microsoft.com/office/drawing/2014/main" id="{3F78EC10-9F18-8E4B-8F10-97DA29B577E2}"/>
-                  </a:ext>
-                </a:extLst>
-              </p:cNvPr>
-              <p:cNvSpPr>
-                <a:spLocks noChangeAspect="1"/>
-              </p:cNvSpPr>
-              <p:nvPr/>
-            </p:nvSpPr>
-            <p:spPr>
-              <a:xfrm>
-                <a:off x="7985935" y="2686744"/>
-                <a:ext cx="182880" cy="182880"/>
-              </a:xfrm>
-              <a:prstGeom prst="cube">
-                <a:avLst/>
-              </a:prstGeom>
-              <a:solidFill>
-                <a:schemeClr val="accent4">
-                  <a:lumMod val="75000"/>
-                </a:schemeClr>
-              </a:solidFill>
-              <a:ln>
-                <a:solidFill>
-                  <a:schemeClr val="tx1"/>
-                </a:solidFill>
-              </a:ln>
-            </p:spPr>
-            <p:style>
-              <a:lnRef idx="2">
-                <a:schemeClr val="accent1">
-                  <a:shade val="50000"/>
-                </a:schemeClr>
-              </a:lnRef>
-              <a:fillRef idx="1">
-                <a:schemeClr val="accent1"/>
-              </a:fillRef>
-              <a:effectRef idx="0">
-                <a:schemeClr val="accent1"/>
-              </a:effectRef>
-              <a:fontRef idx="minor">
-                <a:schemeClr val="lt1"/>
-              </a:fontRef>
-            </p:style>
-            <p:txBody>
-              <a:bodyPr rtlCol="0" anchor="ctr"/>
-              <a:lstStyle/>
-              <a:p>
-                <a:pPr algn="ctr"/>
-                <a:endParaRPr lang="en-US"/>
-              </a:p>
-            </p:txBody>
-          </p:sp>
-          <p:sp>
-            <p:nvSpPr>
-              <p:cNvPr id="38" name="Cube 37">
-                <a:extLst>
-                  <a:ext uri="{FF2B5EF4-FFF2-40B4-BE49-F238E27FC236}">
-                    <a16:creationId xmlns:a16="http://schemas.microsoft.com/office/drawing/2014/main" id="{F41E3F08-F117-454D-818B-9A2785B55E70}"/>
-                  </a:ext>
-                </a:extLst>
-              </p:cNvPr>
-              <p:cNvSpPr>
-                <a:spLocks noChangeAspect="1"/>
-              </p:cNvSpPr>
-              <p:nvPr/>
-            </p:nvSpPr>
-            <p:spPr>
-              <a:xfrm>
-                <a:off x="7803055" y="2574583"/>
-                <a:ext cx="182880" cy="182880"/>
-              </a:xfrm>
-              <a:prstGeom prst="cube">
-                <a:avLst/>
-              </a:prstGeom>
-              <a:solidFill>
-                <a:schemeClr val="accent4">
-                  <a:lumMod val="75000"/>
-                </a:schemeClr>
-              </a:solidFill>
-              <a:ln>
-                <a:solidFill>
-                  <a:schemeClr val="tx1"/>
-                </a:solidFill>
-              </a:ln>
-            </p:spPr>
-            <p:style>
-              <a:lnRef idx="2">
-                <a:schemeClr val="accent1">
-                  <a:shade val="50000"/>
-                </a:schemeClr>
-              </a:lnRef>
-              <a:fillRef idx="1">
-                <a:schemeClr val="accent1"/>
-              </a:fillRef>
-              <a:effectRef idx="0">
-                <a:schemeClr val="accent1"/>
-              </a:effectRef>
-              <a:fontRef idx="minor">
-                <a:schemeClr val="lt1"/>
-              </a:fontRef>
-            </p:style>
-            <p:txBody>
-              <a:bodyPr rtlCol="0" anchor="ctr"/>
-              <a:lstStyle/>
-              <a:p>
-                <a:pPr algn="ctr"/>
-                <a:endParaRPr lang="en-US"/>
-              </a:p>
-            </p:txBody>
-          </p:sp>
-          <p:sp>
-            <p:nvSpPr>
-              <p:cNvPr id="39" name="Cube 38">
-                <a:extLst>
-                  <a:ext uri="{FF2B5EF4-FFF2-40B4-BE49-F238E27FC236}">
-                    <a16:creationId xmlns:a16="http://schemas.microsoft.com/office/drawing/2014/main" id="{43D07D95-552F-7C41-8530-FC3E2E8536C3}"/>
-                  </a:ext>
-                </a:extLst>
-              </p:cNvPr>
-              <p:cNvSpPr>
-                <a:spLocks noChangeAspect="1"/>
-              </p:cNvSpPr>
-              <p:nvPr/>
-            </p:nvSpPr>
-            <p:spPr>
-              <a:xfrm>
-                <a:off x="7985935" y="2574583"/>
-                <a:ext cx="182880" cy="182880"/>
-              </a:xfrm>
-              <a:prstGeom prst="cube">
-                <a:avLst/>
-              </a:prstGeom>
-              <a:solidFill>
-                <a:schemeClr val="accent4">
-                  <a:lumMod val="75000"/>
-                </a:schemeClr>
-              </a:solidFill>
-              <a:ln>
-                <a:solidFill>
-                  <a:schemeClr val="tx1"/>
-                </a:solidFill>
-              </a:ln>
-            </p:spPr>
-            <p:style>
-              <a:lnRef idx="2">
-                <a:schemeClr val="accent1">
-                  <a:shade val="50000"/>
-                </a:schemeClr>
-              </a:lnRef>
-              <a:fillRef idx="1">
-                <a:schemeClr val="accent1"/>
-              </a:fillRef>
-              <a:effectRef idx="0">
-                <a:schemeClr val="accent1"/>
-              </a:effectRef>
-              <a:fontRef idx="minor">
-                <a:schemeClr val="lt1"/>
-              </a:fontRef>
-            </p:style>
-            <p:txBody>
-              <a:bodyPr rtlCol="0" anchor="ctr"/>
-              <a:lstStyle/>
-              <a:p>
-                <a:pPr algn="ctr"/>
-                <a:endParaRPr lang="en-US"/>
-              </a:p>
-            </p:txBody>
-          </p:sp>
-        </p:grpSp>
-      </p:grpSp>
-      <p:grpSp>
-        <p:nvGrpSpPr>
-          <p:cNvPr id="40" name="Group 39">
-            <a:extLst>
-              <a:ext uri="{FF2B5EF4-FFF2-40B4-BE49-F238E27FC236}">
-                <a16:creationId xmlns:a16="http://schemas.microsoft.com/office/drawing/2014/main" id="{0312B3EA-6901-D741-AA8E-B16D486ADA55}"/>
-              </a:ext>
-            </a:extLst>
-          </p:cNvPr>
-          <p:cNvGrpSpPr/>
-          <p:nvPr/>
-        </p:nvGrpSpPr>
-        <p:grpSpPr>
-          <a:xfrm>
-            <a:off x="6892707" y="2082508"/>
-            <a:ext cx="2917172" cy="369332"/>
-            <a:chOff x="7514448" y="3331792"/>
-            <a:chExt cx="2917172" cy="369332"/>
-          </a:xfrm>
-        </p:grpSpPr>
-        <p:sp>
-          <p:nvSpPr>
-            <p:cNvPr id="41" name="TextBox 40">
-              <a:extLst>
-                <a:ext uri="{FF2B5EF4-FFF2-40B4-BE49-F238E27FC236}">
-                  <a16:creationId xmlns:a16="http://schemas.microsoft.com/office/drawing/2014/main" id="{41C64BD9-1372-E744-AF93-1DE9D5D21497}"/>
-                </a:ext>
-              </a:extLst>
-            </p:cNvPr>
-            <p:cNvSpPr txBox="1"/>
-            <p:nvPr/>
-          </p:nvSpPr>
-          <p:spPr>
-            <a:xfrm>
-              <a:off x="7514448" y="3331792"/>
-              <a:ext cx="2143498" cy="369332"/>
-            </a:xfrm>
-            <a:prstGeom prst="rect">
-              <a:avLst/>
-            </a:prstGeom>
-            <a:noFill/>
-          </p:spPr>
-          <p:txBody>
-            <a:bodyPr wrap="square" rtlCol="0">
-              <a:spAutoFit/>
-            </a:bodyPr>
-            <a:lstStyle/>
-            <a:p>
-              <a:r>
-                <a:rPr lang="en-US" dirty="0"/>
-                <a:t>DO = Dense Obstacle</a:t>
-              </a:r>
-            </a:p>
-          </p:txBody>
-        </p:sp>
-        <p:grpSp>
-          <p:nvGrpSpPr>
-            <p:cNvPr id="42" name="Group 41">
-              <a:extLst>
-                <a:ext uri="{FF2B5EF4-FFF2-40B4-BE49-F238E27FC236}">
-                  <a16:creationId xmlns:a16="http://schemas.microsoft.com/office/drawing/2014/main" id="{AF065C8D-CA8B-554D-982B-666649455E8C}"/>
-                </a:ext>
-              </a:extLst>
-            </p:cNvPr>
-            <p:cNvGrpSpPr/>
-            <p:nvPr/>
-          </p:nvGrpSpPr>
-          <p:grpSpPr>
-            <a:xfrm>
-              <a:off x="9700100" y="3368938"/>
-              <a:ext cx="731520" cy="295041"/>
-              <a:chOff x="9699621" y="3380438"/>
-              <a:chExt cx="731520" cy="295041"/>
-            </a:xfrm>
-          </p:grpSpPr>
-          <p:sp>
-            <p:nvSpPr>
-              <p:cNvPr id="43" name="Cube 42">
-                <a:extLst>
-                  <a:ext uri="{FF2B5EF4-FFF2-40B4-BE49-F238E27FC236}">
-                    <a16:creationId xmlns:a16="http://schemas.microsoft.com/office/drawing/2014/main" id="{DC61AF63-3E89-C94C-A06F-8011A0DBD23E}"/>
-                  </a:ext>
-                </a:extLst>
-              </p:cNvPr>
-              <p:cNvSpPr>
-                <a:spLocks noChangeAspect="1"/>
-              </p:cNvSpPr>
-              <p:nvPr/>
-            </p:nvSpPr>
-            <p:spPr>
-              <a:xfrm>
-                <a:off x="9882501" y="3492599"/>
-                <a:ext cx="182880" cy="182880"/>
-              </a:xfrm>
-              <a:prstGeom prst="cube">
-                <a:avLst/>
-              </a:prstGeom>
-              <a:solidFill>
-                <a:schemeClr val="accent4">
-                  <a:lumMod val="75000"/>
-                </a:schemeClr>
-              </a:solidFill>
-              <a:ln>
-                <a:solidFill>
-                  <a:schemeClr val="tx1"/>
-                </a:solidFill>
-              </a:ln>
-            </p:spPr>
-            <p:style>
-              <a:lnRef idx="2">
-                <a:schemeClr val="accent1">
-                  <a:shade val="50000"/>
-                </a:schemeClr>
-              </a:lnRef>
-              <a:fillRef idx="1">
-                <a:schemeClr val="accent1"/>
-              </a:fillRef>
-              <a:effectRef idx="0">
-                <a:schemeClr val="accent1"/>
-              </a:effectRef>
-              <a:fontRef idx="minor">
-                <a:schemeClr val="lt1"/>
-              </a:fontRef>
-            </p:style>
-            <p:txBody>
-              <a:bodyPr rtlCol="0" anchor="ctr"/>
-              <a:lstStyle/>
-              <a:p>
-                <a:pPr algn="ctr"/>
-                <a:endParaRPr lang="en-US"/>
-              </a:p>
-            </p:txBody>
-          </p:sp>
-          <p:sp>
-            <p:nvSpPr>
-              <p:cNvPr id="44" name="Cube 43">
-                <a:extLst>
-                  <a:ext uri="{FF2B5EF4-FFF2-40B4-BE49-F238E27FC236}">
-                    <a16:creationId xmlns:a16="http://schemas.microsoft.com/office/drawing/2014/main" id="{F184860F-B92F-0E43-B432-0A25BCEF36BB}"/>
-                  </a:ext>
-                </a:extLst>
-              </p:cNvPr>
-              <p:cNvSpPr>
-                <a:spLocks noChangeAspect="1"/>
-              </p:cNvSpPr>
-              <p:nvPr/>
-            </p:nvSpPr>
-            <p:spPr>
-              <a:xfrm>
-                <a:off x="10065381" y="3492599"/>
-                <a:ext cx="182880" cy="182880"/>
-              </a:xfrm>
-              <a:prstGeom prst="cube">
-                <a:avLst/>
-              </a:prstGeom>
-              <a:solidFill>
-                <a:schemeClr val="accent4">
-                  <a:lumMod val="75000"/>
-                </a:schemeClr>
-              </a:solidFill>
-              <a:ln>
-                <a:solidFill>
-                  <a:schemeClr val="tx1"/>
-                </a:solidFill>
-              </a:ln>
-            </p:spPr>
-            <p:style>
-              <a:lnRef idx="2">
-                <a:schemeClr val="accent1">
-                  <a:shade val="50000"/>
-                </a:schemeClr>
-              </a:lnRef>
-              <a:fillRef idx="1">
-                <a:schemeClr val="accent1"/>
-              </a:fillRef>
-              <a:effectRef idx="0">
-                <a:schemeClr val="accent1"/>
-              </a:effectRef>
-              <a:fontRef idx="minor">
-                <a:schemeClr val="lt1"/>
-              </a:fontRef>
-            </p:style>
-            <p:txBody>
-              <a:bodyPr rtlCol="0" anchor="ctr"/>
-              <a:lstStyle/>
-              <a:p>
-                <a:pPr algn="ctr"/>
-                <a:endParaRPr lang="en-US"/>
-              </a:p>
-            </p:txBody>
-          </p:sp>
-          <p:sp>
-            <p:nvSpPr>
-              <p:cNvPr id="45" name="Cube 44">
-                <a:extLst>
-                  <a:ext uri="{FF2B5EF4-FFF2-40B4-BE49-F238E27FC236}">
-                    <a16:creationId xmlns:a16="http://schemas.microsoft.com/office/drawing/2014/main" id="{C51C215D-FFEB-EE4B-AF88-68F208038E82}"/>
-                  </a:ext>
-                </a:extLst>
-              </p:cNvPr>
-              <p:cNvSpPr>
-                <a:spLocks noChangeAspect="1"/>
-              </p:cNvSpPr>
-              <p:nvPr/>
-            </p:nvSpPr>
-            <p:spPr>
-              <a:xfrm>
-                <a:off x="9882501" y="3380438"/>
-                <a:ext cx="182880" cy="182880"/>
-              </a:xfrm>
-              <a:prstGeom prst="cube">
-                <a:avLst/>
-              </a:prstGeom>
-              <a:solidFill>
-                <a:schemeClr val="accent4">
-                  <a:lumMod val="75000"/>
-                </a:schemeClr>
-              </a:solidFill>
-              <a:ln>
-                <a:solidFill>
-                  <a:schemeClr val="tx1"/>
-                </a:solidFill>
-              </a:ln>
-            </p:spPr>
-            <p:style>
-              <a:lnRef idx="2">
-                <a:schemeClr val="accent1">
-                  <a:shade val="50000"/>
-                </a:schemeClr>
-              </a:lnRef>
-              <a:fillRef idx="1">
-                <a:schemeClr val="accent1"/>
-              </a:fillRef>
-              <a:effectRef idx="0">
-                <a:schemeClr val="accent1"/>
-              </a:effectRef>
-              <a:fontRef idx="minor">
-                <a:schemeClr val="lt1"/>
-              </a:fontRef>
-            </p:style>
-            <p:txBody>
-              <a:bodyPr rtlCol="0" anchor="ctr"/>
-              <a:lstStyle/>
-              <a:p>
-                <a:pPr algn="ctr"/>
-                <a:endParaRPr lang="en-US"/>
-              </a:p>
-            </p:txBody>
-          </p:sp>
-          <p:sp>
-            <p:nvSpPr>
-              <p:cNvPr id="46" name="Cube 45">
-                <a:extLst>
-                  <a:ext uri="{FF2B5EF4-FFF2-40B4-BE49-F238E27FC236}">
-                    <a16:creationId xmlns:a16="http://schemas.microsoft.com/office/drawing/2014/main" id="{745630AA-8597-484B-9015-A33B2D31B7DD}"/>
-                  </a:ext>
-                </a:extLst>
-              </p:cNvPr>
-              <p:cNvSpPr>
-                <a:spLocks noChangeAspect="1"/>
-              </p:cNvSpPr>
-              <p:nvPr/>
-            </p:nvSpPr>
-            <p:spPr>
-              <a:xfrm>
-                <a:off x="10065381" y="3380438"/>
-                <a:ext cx="182880" cy="182880"/>
-              </a:xfrm>
-              <a:prstGeom prst="cube">
-                <a:avLst/>
-              </a:prstGeom>
-              <a:solidFill>
-                <a:schemeClr val="accent4">
-                  <a:lumMod val="75000"/>
-                </a:schemeClr>
-              </a:solidFill>
-              <a:ln>
-                <a:solidFill>
-                  <a:schemeClr val="tx1"/>
-                </a:solidFill>
-              </a:ln>
-            </p:spPr>
-            <p:style>
-              <a:lnRef idx="2">
-                <a:schemeClr val="accent1">
-                  <a:shade val="50000"/>
-                </a:schemeClr>
-              </a:lnRef>
-              <a:fillRef idx="1">
-                <a:schemeClr val="accent1"/>
-              </a:fillRef>
-              <a:effectRef idx="0">
-                <a:schemeClr val="accent1"/>
-              </a:effectRef>
-              <a:fontRef idx="minor">
-                <a:schemeClr val="lt1"/>
-              </a:fontRef>
-            </p:style>
-            <p:txBody>
-              <a:bodyPr rtlCol="0" anchor="ctr"/>
-              <a:lstStyle/>
-              <a:p>
-                <a:pPr algn="ctr"/>
-                <a:endParaRPr lang="en-US"/>
-              </a:p>
-            </p:txBody>
-          </p:sp>
-          <p:sp>
-            <p:nvSpPr>
-              <p:cNvPr id="47" name="Cube 46">
-                <a:extLst>
-                  <a:ext uri="{FF2B5EF4-FFF2-40B4-BE49-F238E27FC236}">
-                    <a16:creationId xmlns:a16="http://schemas.microsoft.com/office/drawing/2014/main" id="{0A50CFF1-5254-894D-8E93-C69FAC3CAAE3}"/>
-                  </a:ext>
-                </a:extLst>
-              </p:cNvPr>
-              <p:cNvSpPr>
-                <a:spLocks noChangeAspect="1"/>
-              </p:cNvSpPr>
-              <p:nvPr/>
-            </p:nvSpPr>
-            <p:spPr>
-              <a:xfrm>
-                <a:off x="10248261" y="3492599"/>
-                <a:ext cx="182880" cy="182880"/>
-              </a:xfrm>
-              <a:prstGeom prst="cube">
-                <a:avLst/>
-              </a:prstGeom>
-              <a:solidFill>
-                <a:schemeClr val="accent4">
-                  <a:lumMod val="75000"/>
-                </a:schemeClr>
-              </a:solidFill>
-              <a:ln>
-                <a:solidFill>
-                  <a:schemeClr val="tx1"/>
-                </a:solidFill>
-              </a:ln>
-            </p:spPr>
-            <p:style>
-              <a:lnRef idx="2">
-                <a:schemeClr val="accent1">
-                  <a:shade val="50000"/>
-                </a:schemeClr>
-              </a:lnRef>
-              <a:fillRef idx="1">
-                <a:schemeClr val="accent1"/>
-              </a:fillRef>
-              <a:effectRef idx="0">
-                <a:schemeClr val="accent1"/>
-              </a:effectRef>
-              <a:fontRef idx="minor">
-                <a:schemeClr val="lt1"/>
-              </a:fontRef>
-            </p:style>
-            <p:txBody>
-              <a:bodyPr rtlCol="0" anchor="ctr"/>
-              <a:lstStyle/>
-              <a:p>
-                <a:pPr algn="ctr"/>
-                <a:endParaRPr lang="en-US"/>
-              </a:p>
-            </p:txBody>
-          </p:sp>
-          <p:sp>
-            <p:nvSpPr>
-              <p:cNvPr id="48" name="Cube 47">
-                <a:extLst>
-                  <a:ext uri="{FF2B5EF4-FFF2-40B4-BE49-F238E27FC236}">
-                    <a16:creationId xmlns:a16="http://schemas.microsoft.com/office/drawing/2014/main" id="{7FB22B3E-13E7-1F43-9D8B-F2E73B940EFB}"/>
-                  </a:ext>
-                </a:extLst>
-              </p:cNvPr>
-              <p:cNvSpPr>
-                <a:spLocks noChangeAspect="1"/>
-              </p:cNvSpPr>
-              <p:nvPr/>
-            </p:nvSpPr>
-            <p:spPr>
-              <a:xfrm>
-                <a:off x="10248261" y="3380438"/>
-                <a:ext cx="182880" cy="182880"/>
-              </a:xfrm>
-              <a:prstGeom prst="cube">
-                <a:avLst/>
-              </a:prstGeom>
-              <a:solidFill>
-                <a:schemeClr val="accent4">
-                  <a:lumMod val="75000"/>
-                </a:schemeClr>
-              </a:solidFill>
-              <a:ln>
-                <a:solidFill>
-                  <a:schemeClr val="tx1"/>
-                </a:solidFill>
-              </a:ln>
-            </p:spPr>
-            <p:style>
-              <a:lnRef idx="2">
-                <a:schemeClr val="accent1">
-                  <a:shade val="50000"/>
-                </a:schemeClr>
-              </a:lnRef>
-              <a:fillRef idx="1">
-                <a:schemeClr val="accent1"/>
-              </a:fillRef>
-              <a:effectRef idx="0">
-                <a:schemeClr val="accent1"/>
-              </a:effectRef>
-              <a:fontRef idx="minor">
-                <a:schemeClr val="lt1"/>
-              </a:fontRef>
-            </p:style>
-            <p:txBody>
-              <a:bodyPr rtlCol="0" anchor="ctr"/>
-              <a:lstStyle/>
-              <a:p>
-                <a:pPr algn="ctr"/>
-                <a:endParaRPr lang="en-US"/>
-              </a:p>
-            </p:txBody>
-          </p:sp>
-          <p:sp>
-            <p:nvSpPr>
-              <p:cNvPr id="49" name="Cube 48">
-                <a:extLst>
-                  <a:ext uri="{FF2B5EF4-FFF2-40B4-BE49-F238E27FC236}">
-                    <a16:creationId xmlns:a16="http://schemas.microsoft.com/office/drawing/2014/main" id="{9C00CD35-238C-9B41-96D6-37D755CC8CA4}"/>
-                  </a:ext>
-                </a:extLst>
-              </p:cNvPr>
-              <p:cNvSpPr>
-                <a:spLocks noChangeAspect="1"/>
-              </p:cNvSpPr>
-              <p:nvPr/>
-            </p:nvSpPr>
-            <p:spPr>
-              <a:xfrm>
-                <a:off x="9699621" y="3492599"/>
-                <a:ext cx="182880" cy="182880"/>
-              </a:xfrm>
-              <a:prstGeom prst="cube">
-                <a:avLst/>
-              </a:prstGeom>
-              <a:solidFill>
-                <a:schemeClr val="accent4">
-                  <a:lumMod val="75000"/>
-                </a:schemeClr>
-              </a:solidFill>
-              <a:ln>
-                <a:solidFill>
-                  <a:schemeClr val="tx1"/>
-                </a:solidFill>
-              </a:ln>
-            </p:spPr>
-            <p:style>
-              <a:lnRef idx="2">
-                <a:schemeClr val="accent1">
-                  <a:shade val="50000"/>
-                </a:schemeClr>
-              </a:lnRef>
-              <a:fillRef idx="1">
-                <a:schemeClr val="accent1"/>
-              </a:fillRef>
-              <a:effectRef idx="0">
-                <a:schemeClr val="accent1"/>
-              </a:effectRef>
-              <a:fontRef idx="minor">
-                <a:schemeClr val="lt1"/>
-              </a:fontRef>
-            </p:style>
-            <p:txBody>
-              <a:bodyPr rtlCol="0" anchor="ctr"/>
-              <a:lstStyle/>
-              <a:p>
-                <a:pPr algn="ctr"/>
-                <a:endParaRPr lang="en-US"/>
-              </a:p>
-            </p:txBody>
-          </p:sp>
-          <p:sp>
-            <p:nvSpPr>
-              <p:cNvPr id="50" name="Cube 49">
-                <a:extLst>
-                  <a:ext uri="{FF2B5EF4-FFF2-40B4-BE49-F238E27FC236}">
-                    <a16:creationId xmlns:a16="http://schemas.microsoft.com/office/drawing/2014/main" id="{D3A3A82E-3407-5A42-B37E-7341F1CCF60B}"/>
-                  </a:ext>
-                </a:extLst>
-              </p:cNvPr>
-              <p:cNvSpPr>
-                <a:spLocks noChangeAspect="1"/>
-              </p:cNvSpPr>
-              <p:nvPr/>
-            </p:nvSpPr>
-            <p:spPr>
-              <a:xfrm>
-                <a:off x="9699621" y="3380438"/>
-                <a:ext cx="182880" cy="182880"/>
-              </a:xfrm>
-              <a:prstGeom prst="cube">
-                <a:avLst/>
-              </a:prstGeom>
-              <a:solidFill>
-                <a:schemeClr val="accent4">
-                  <a:lumMod val="75000"/>
-                </a:schemeClr>
-              </a:solidFill>
-              <a:ln>
-                <a:solidFill>
-                  <a:schemeClr val="tx1"/>
-                </a:solidFill>
-              </a:ln>
-            </p:spPr>
-            <p:style>
-              <a:lnRef idx="2">
-                <a:schemeClr val="accent1">
-                  <a:shade val="50000"/>
-                </a:schemeClr>
-              </a:lnRef>
-              <a:fillRef idx="1">
-                <a:schemeClr val="accent1"/>
-              </a:fillRef>
-              <a:effectRef idx="0">
-                <a:schemeClr val="accent1"/>
-              </a:effectRef>
-              <a:fontRef idx="minor">
-                <a:schemeClr val="lt1"/>
-              </a:fontRef>
-            </p:style>
-            <p:txBody>
-              <a:bodyPr rtlCol="0" anchor="ctr"/>
-              <a:lstStyle/>
-              <a:p>
-                <a:pPr algn="ctr"/>
-                <a:endParaRPr lang="en-US"/>
-              </a:p>
-            </p:txBody>
-          </p:sp>
-        </p:grpSp>
-      </p:grpSp>
       <p:sp>
         <p:nvSpPr>
           <p:cNvPr id="51" name="TextBox 50">
@@ -9990,6 +9140,814 @@
           </a:p>
         </p:txBody>
       </p:sp>
+      <p:sp>
+        <p:nvSpPr>
+          <p:cNvPr id="53" name="TextBox 52">
+            <a:extLst>
+              <a:ext uri="{FF2B5EF4-FFF2-40B4-BE49-F238E27FC236}">
+                <a16:creationId xmlns:a16="http://schemas.microsoft.com/office/drawing/2014/main" id="{A2722987-242A-3D4D-8C9A-6C907A4531CA}"/>
+              </a:ext>
+            </a:extLst>
+          </p:cNvPr>
+          <p:cNvSpPr txBox="1"/>
+          <p:nvPr/>
+        </p:nvSpPr>
+        <p:spPr>
+          <a:xfrm>
+            <a:off x="6892706" y="820435"/>
+            <a:ext cx="2267759" cy="369332"/>
+          </a:xfrm>
+          <a:prstGeom prst="rect">
+            <a:avLst/>
+          </a:prstGeom>
+          <a:noFill/>
+        </p:spPr>
+        <p:txBody>
+          <a:bodyPr wrap="square" rtlCol="0">
+            <a:spAutoFit/>
+          </a:bodyPr>
+          <a:lstStyle/>
+          <a:p>
+            <a:r>
+              <a:rPr lang="en-US" dirty="0"/>
+              <a:t>SO = Sparse Obstacles</a:t>
+            </a:r>
+          </a:p>
+        </p:txBody>
+      </p:sp>
+      <p:grpSp>
+        <p:nvGrpSpPr>
+          <p:cNvPr id="54" name="Group 53">
+            <a:extLst>
+              <a:ext uri="{FF2B5EF4-FFF2-40B4-BE49-F238E27FC236}">
+                <a16:creationId xmlns:a16="http://schemas.microsoft.com/office/drawing/2014/main" id="{32E76A33-E391-C341-A4E1-C23771BCEFFA}"/>
+              </a:ext>
+            </a:extLst>
+          </p:cNvPr>
+          <p:cNvGrpSpPr/>
+          <p:nvPr/>
+        </p:nvGrpSpPr>
+        <p:grpSpPr>
+          <a:xfrm>
+            <a:off x="9183625" y="857581"/>
+            <a:ext cx="365760" cy="295041"/>
+            <a:chOff x="7803055" y="2574583"/>
+            <a:chExt cx="365760" cy="295041"/>
+          </a:xfrm>
+        </p:grpSpPr>
+        <p:sp>
+          <p:nvSpPr>
+            <p:cNvPr id="55" name="Cube 54">
+              <a:extLst>
+                <a:ext uri="{FF2B5EF4-FFF2-40B4-BE49-F238E27FC236}">
+                  <a16:creationId xmlns:a16="http://schemas.microsoft.com/office/drawing/2014/main" id="{3E31A012-7233-9244-B674-E0B204800204}"/>
+                </a:ext>
+              </a:extLst>
+            </p:cNvPr>
+            <p:cNvSpPr>
+              <a:spLocks noChangeAspect="1"/>
+            </p:cNvSpPr>
+            <p:nvPr/>
+          </p:nvSpPr>
+          <p:spPr>
+            <a:xfrm>
+              <a:off x="7803055" y="2686744"/>
+              <a:ext cx="182880" cy="182880"/>
+            </a:xfrm>
+            <a:prstGeom prst="cube">
+              <a:avLst/>
+            </a:prstGeom>
+            <a:solidFill>
+              <a:schemeClr val="accent4">
+                <a:lumMod val="75000"/>
+              </a:schemeClr>
+            </a:solidFill>
+            <a:ln>
+              <a:solidFill>
+                <a:schemeClr val="tx1"/>
+              </a:solidFill>
+            </a:ln>
+          </p:spPr>
+          <p:style>
+            <a:lnRef idx="2">
+              <a:schemeClr val="accent1">
+                <a:shade val="50000"/>
+              </a:schemeClr>
+            </a:lnRef>
+            <a:fillRef idx="1">
+              <a:schemeClr val="accent1"/>
+            </a:fillRef>
+            <a:effectRef idx="0">
+              <a:schemeClr val="accent1"/>
+            </a:effectRef>
+            <a:fontRef idx="minor">
+              <a:schemeClr val="lt1"/>
+            </a:fontRef>
+          </p:style>
+          <p:txBody>
+            <a:bodyPr rtlCol="0" anchor="ctr"/>
+            <a:lstStyle/>
+            <a:p>
+              <a:pPr algn="ctr"/>
+              <a:endParaRPr lang="en-US"/>
+            </a:p>
+          </p:txBody>
+        </p:sp>
+        <p:sp>
+          <p:nvSpPr>
+            <p:cNvPr id="56" name="Cube 55">
+              <a:extLst>
+                <a:ext uri="{FF2B5EF4-FFF2-40B4-BE49-F238E27FC236}">
+                  <a16:creationId xmlns:a16="http://schemas.microsoft.com/office/drawing/2014/main" id="{131B2497-61C0-894F-B0F4-24AD3D6EF827}"/>
+                </a:ext>
+              </a:extLst>
+            </p:cNvPr>
+            <p:cNvSpPr>
+              <a:spLocks noChangeAspect="1"/>
+            </p:cNvSpPr>
+            <p:nvPr/>
+          </p:nvSpPr>
+          <p:spPr>
+            <a:xfrm>
+              <a:off x="7985935" y="2686744"/>
+              <a:ext cx="182880" cy="182880"/>
+            </a:xfrm>
+            <a:prstGeom prst="cube">
+              <a:avLst/>
+            </a:prstGeom>
+            <a:solidFill>
+              <a:schemeClr val="accent4">
+                <a:lumMod val="75000"/>
+              </a:schemeClr>
+            </a:solidFill>
+            <a:ln>
+              <a:solidFill>
+                <a:schemeClr val="tx1"/>
+              </a:solidFill>
+            </a:ln>
+          </p:spPr>
+          <p:style>
+            <a:lnRef idx="2">
+              <a:schemeClr val="accent1">
+                <a:shade val="50000"/>
+              </a:schemeClr>
+            </a:lnRef>
+            <a:fillRef idx="1">
+              <a:schemeClr val="accent1"/>
+            </a:fillRef>
+            <a:effectRef idx="0">
+              <a:schemeClr val="accent1"/>
+            </a:effectRef>
+            <a:fontRef idx="minor">
+              <a:schemeClr val="lt1"/>
+            </a:fontRef>
+          </p:style>
+          <p:txBody>
+            <a:bodyPr rtlCol="0" anchor="ctr"/>
+            <a:lstStyle/>
+            <a:p>
+              <a:pPr algn="ctr"/>
+              <a:endParaRPr lang="en-US"/>
+            </a:p>
+          </p:txBody>
+        </p:sp>
+        <p:sp>
+          <p:nvSpPr>
+            <p:cNvPr id="57" name="Cube 56">
+              <a:extLst>
+                <a:ext uri="{FF2B5EF4-FFF2-40B4-BE49-F238E27FC236}">
+                  <a16:creationId xmlns:a16="http://schemas.microsoft.com/office/drawing/2014/main" id="{0E4732FF-32B3-9644-A162-985CBAC2D030}"/>
+                </a:ext>
+              </a:extLst>
+            </p:cNvPr>
+            <p:cNvSpPr>
+              <a:spLocks noChangeAspect="1"/>
+            </p:cNvSpPr>
+            <p:nvPr/>
+          </p:nvSpPr>
+          <p:spPr>
+            <a:xfrm>
+              <a:off x="7803055" y="2574583"/>
+              <a:ext cx="182880" cy="182880"/>
+            </a:xfrm>
+            <a:prstGeom prst="cube">
+              <a:avLst/>
+            </a:prstGeom>
+            <a:solidFill>
+              <a:schemeClr val="accent4">
+                <a:lumMod val="75000"/>
+              </a:schemeClr>
+            </a:solidFill>
+            <a:ln>
+              <a:solidFill>
+                <a:schemeClr val="tx1"/>
+              </a:solidFill>
+            </a:ln>
+          </p:spPr>
+          <p:style>
+            <a:lnRef idx="2">
+              <a:schemeClr val="accent1">
+                <a:shade val="50000"/>
+              </a:schemeClr>
+            </a:lnRef>
+            <a:fillRef idx="1">
+              <a:schemeClr val="accent1"/>
+            </a:fillRef>
+            <a:effectRef idx="0">
+              <a:schemeClr val="accent1"/>
+            </a:effectRef>
+            <a:fontRef idx="minor">
+              <a:schemeClr val="lt1"/>
+            </a:fontRef>
+          </p:style>
+          <p:txBody>
+            <a:bodyPr rtlCol="0" anchor="ctr"/>
+            <a:lstStyle/>
+            <a:p>
+              <a:pPr algn="ctr"/>
+              <a:endParaRPr lang="en-US"/>
+            </a:p>
+          </p:txBody>
+        </p:sp>
+        <p:sp>
+          <p:nvSpPr>
+            <p:cNvPr id="58" name="Cube 57">
+              <a:extLst>
+                <a:ext uri="{FF2B5EF4-FFF2-40B4-BE49-F238E27FC236}">
+                  <a16:creationId xmlns:a16="http://schemas.microsoft.com/office/drawing/2014/main" id="{CF1312FB-E67A-C94F-8F08-8EDD8450A934}"/>
+                </a:ext>
+              </a:extLst>
+            </p:cNvPr>
+            <p:cNvSpPr>
+              <a:spLocks noChangeAspect="1"/>
+            </p:cNvSpPr>
+            <p:nvPr/>
+          </p:nvSpPr>
+          <p:spPr>
+            <a:xfrm>
+              <a:off x="7985935" y="2574583"/>
+              <a:ext cx="182880" cy="182880"/>
+            </a:xfrm>
+            <a:prstGeom prst="cube">
+              <a:avLst/>
+            </a:prstGeom>
+            <a:solidFill>
+              <a:schemeClr val="accent4">
+                <a:lumMod val="75000"/>
+              </a:schemeClr>
+            </a:solidFill>
+            <a:ln>
+              <a:solidFill>
+                <a:schemeClr val="tx1"/>
+              </a:solidFill>
+            </a:ln>
+          </p:spPr>
+          <p:style>
+            <a:lnRef idx="2">
+              <a:schemeClr val="accent1">
+                <a:shade val="50000"/>
+              </a:schemeClr>
+            </a:lnRef>
+            <a:fillRef idx="1">
+              <a:schemeClr val="accent1"/>
+            </a:fillRef>
+            <a:effectRef idx="0">
+              <a:schemeClr val="accent1"/>
+            </a:effectRef>
+            <a:fontRef idx="minor">
+              <a:schemeClr val="lt1"/>
+            </a:fontRef>
+          </p:style>
+          <p:txBody>
+            <a:bodyPr rtlCol="0" anchor="ctr"/>
+            <a:lstStyle/>
+            <a:p>
+              <a:pPr algn="ctr"/>
+              <a:endParaRPr lang="en-US"/>
+            </a:p>
+          </p:txBody>
+        </p:sp>
+      </p:grpSp>
+      <p:sp>
+        <p:nvSpPr>
+          <p:cNvPr id="59" name="TextBox 58">
+            <a:extLst>
+              <a:ext uri="{FF2B5EF4-FFF2-40B4-BE49-F238E27FC236}">
+                <a16:creationId xmlns:a16="http://schemas.microsoft.com/office/drawing/2014/main" id="{0656FD1F-5667-8C4D-8F42-4957B15D2008}"/>
+              </a:ext>
+            </a:extLst>
+          </p:cNvPr>
+          <p:cNvSpPr txBox="1"/>
+          <p:nvPr/>
+        </p:nvSpPr>
+        <p:spPr>
+          <a:xfrm>
+            <a:off x="6892707" y="2082508"/>
+            <a:ext cx="2218614" cy="369332"/>
+          </a:xfrm>
+          <a:prstGeom prst="rect">
+            <a:avLst/>
+          </a:prstGeom>
+          <a:noFill/>
+        </p:spPr>
+        <p:txBody>
+          <a:bodyPr wrap="square" rtlCol="0">
+            <a:spAutoFit/>
+          </a:bodyPr>
+          <a:lstStyle/>
+          <a:p>
+            <a:r>
+              <a:rPr lang="en-US" dirty="0"/>
+              <a:t>DO = Dense Obstacles</a:t>
+            </a:r>
+          </a:p>
+        </p:txBody>
+      </p:sp>
+      <p:grpSp>
+        <p:nvGrpSpPr>
+          <p:cNvPr id="60" name="Group 59">
+            <a:extLst>
+              <a:ext uri="{FF2B5EF4-FFF2-40B4-BE49-F238E27FC236}">
+                <a16:creationId xmlns:a16="http://schemas.microsoft.com/office/drawing/2014/main" id="{49378AD6-8BD8-B14C-9663-E74F367312ED}"/>
+              </a:ext>
+            </a:extLst>
+          </p:cNvPr>
+          <p:cNvGrpSpPr/>
+          <p:nvPr/>
+        </p:nvGrpSpPr>
+        <p:grpSpPr>
+          <a:xfrm>
+            <a:off x="9185675" y="2119654"/>
+            <a:ext cx="731520" cy="295041"/>
+            <a:chOff x="9699621" y="3380438"/>
+            <a:chExt cx="731520" cy="295041"/>
+          </a:xfrm>
+        </p:grpSpPr>
+        <p:sp>
+          <p:nvSpPr>
+            <p:cNvPr id="61" name="Cube 60">
+              <a:extLst>
+                <a:ext uri="{FF2B5EF4-FFF2-40B4-BE49-F238E27FC236}">
+                  <a16:creationId xmlns:a16="http://schemas.microsoft.com/office/drawing/2014/main" id="{991699C6-36F9-F948-A39A-7B579D662F18}"/>
+                </a:ext>
+              </a:extLst>
+            </p:cNvPr>
+            <p:cNvSpPr>
+              <a:spLocks noChangeAspect="1"/>
+            </p:cNvSpPr>
+            <p:nvPr/>
+          </p:nvSpPr>
+          <p:spPr>
+            <a:xfrm>
+              <a:off x="9882501" y="3492599"/>
+              <a:ext cx="182880" cy="182880"/>
+            </a:xfrm>
+            <a:prstGeom prst="cube">
+              <a:avLst/>
+            </a:prstGeom>
+            <a:solidFill>
+              <a:schemeClr val="accent4">
+                <a:lumMod val="75000"/>
+              </a:schemeClr>
+            </a:solidFill>
+            <a:ln>
+              <a:solidFill>
+                <a:schemeClr val="tx1"/>
+              </a:solidFill>
+            </a:ln>
+          </p:spPr>
+          <p:style>
+            <a:lnRef idx="2">
+              <a:schemeClr val="accent1">
+                <a:shade val="50000"/>
+              </a:schemeClr>
+            </a:lnRef>
+            <a:fillRef idx="1">
+              <a:schemeClr val="accent1"/>
+            </a:fillRef>
+            <a:effectRef idx="0">
+              <a:schemeClr val="accent1"/>
+            </a:effectRef>
+            <a:fontRef idx="minor">
+              <a:schemeClr val="lt1"/>
+            </a:fontRef>
+          </p:style>
+          <p:txBody>
+            <a:bodyPr rtlCol="0" anchor="ctr"/>
+            <a:lstStyle/>
+            <a:p>
+              <a:pPr algn="ctr"/>
+              <a:endParaRPr lang="en-US"/>
+            </a:p>
+          </p:txBody>
+        </p:sp>
+        <p:sp>
+          <p:nvSpPr>
+            <p:cNvPr id="62" name="Cube 61">
+              <a:extLst>
+                <a:ext uri="{FF2B5EF4-FFF2-40B4-BE49-F238E27FC236}">
+                  <a16:creationId xmlns:a16="http://schemas.microsoft.com/office/drawing/2014/main" id="{2B50CDC0-8D69-DD4C-93F7-F2718F9DECEE}"/>
+                </a:ext>
+              </a:extLst>
+            </p:cNvPr>
+            <p:cNvSpPr>
+              <a:spLocks noChangeAspect="1"/>
+            </p:cNvSpPr>
+            <p:nvPr/>
+          </p:nvSpPr>
+          <p:spPr>
+            <a:xfrm>
+              <a:off x="10065381" y="3492599"/>
+              <a:ext cx="182880" cy="182880"/>
+            </a:xfrm>
+            <a:prstGeom prst="cube">
+              <a:avLst/>
+            </a:prstGeom>
+            <a:solidFill>
+              <a:schemeClr val="accent4">
+                <a:lumMod val="75000"/>
+              </a:schemeClr>
+            </a:solidFill>
+            <a:ln>
+              <a:solidFill>
+                <a:schemeClr val="tx1"/>
+              </a:solidFill>
+            </a:ln>
+          </p:spPr>
+          <p:style>
+            <a:lnRef idx="2">
+              <a:schemeClr val="accent1">
+                <a:shade val="50000"/>
+              </a:schemeClr>
+            </a:lnRef>
+            <a:fillRef idx="1">
+              <a:schemeClr val="accent1"/>
+            </a:fillRef>
+            <a:effectRef idx="0">
+              <a:schemeClr val="accent1"/>
+            </a:effectRef>
+            <a:fontRef idx="minor">
+              <a:schemeClr val="lt1"/>
+            </a:fontRef>
+          </p:style>
+          <p:txBody>
+            <a:bodyPr rtlCol="0" anchor="ctr"/>
+            <a:lstStyle/>
+            <a:p>
+              <a:pPr algn="ctr"/>
+              <a:endParaRPr lang="en-US"/>
+            </a:p>
+          </p:txBody>
+        </p:sp>
+        <p:sp>
+          <p:nvSpPr>
+            <p:cNvPr id="63" name="Cube 62">
+              <a:extLst>
+                <a:ext uri="{FF2B5EF4-FFF2-40B4-BE49-F238E27FC236}">
+                  <a16:creationId xmlns:a16="http://schemas.microsoft.com/office/drawing/2014/main" id="{13C140EB-8B76-E648-8F14-D98282641A26}"/>
+                </a:ext>
+              </a:extLst>
+            </p:cNvPr>
+            <p:cNvSpPr>
+              <a:spLocks noChangeAspect="1"/>
+            </p:cNvSpPr>
+            <p:nvPr/>
+          </p:nvSpPr>
+          <p:spPr>
+            <a:xfrm>
+              <a:off x="9882501" y="3380438"/>
+              <a:ext cx="182880" cy="182880"/>
+            </a:xfrm>
+            <a:prstGeom prst="cube">
+              <a:avLst/>
+            </a:prstGeom>
+            <a:solidFill>
+              <a:schemeClr val="accent4">
+                <a:lumMod val="75000"/>
+              </a:schemeClr>
+            </a:solidFill>
+            <a:ln>
+              <a:solidFill>
+                <a:schemeClr val="tx1"/>
+              </a:solidFill>
+            </a:ln>
+          </p:spPr>
+          <p:style>
+            <a:lnRef idx="2">
+              <a:schemeClr val="accent1">
+                <a:shade val="50000"/>
+              </a:schemeClr>
+            </a:lnRef>
+            <a:fillRef idx="1">
+              <a:schemeClr val="accent1"/>
+            </a:fillRef>
+            <a:effectRef idx="0">
+              <a:schemeClr val="accent1"/>
+            </a:effectRef>
+            <a:fontRef idx="minor">
+              <a:schemeClr val="lt1"/>
+            </a:fontRef>
+          </p:style>
+          <p:txBody>
+            <a:bodyPr rtlCol="0" anchor="ctr"/>
+            <a:lstStyle/>
+            <a:p>
+              <a:pPr algn="ctr"/>
+              <a:endParaRPr lang="en-US"/>
+            </a:p>
+          </p:txBody>
+        </p:sp>
+        <p:sp>
+          <p:nvSpPr>
+            <p:cNvPr id="64" name="Cube 63">
+              <a:extLst>
+                <a:ext uri="{FF2B5EF4-FFF2-40B4-BE49-F238E27FC236}">
+                  <a16:creationId xmlns:a16="http://schemas.microsoft.com/office/drawing/2014/main" id="{26D8CA6C-FBC4-784B-876A-D5F151AC2882}"/>
+                </a:ext>
+              </a:extLst>
+            </p:cNvPr>
+            <p:cNvSpPr>
+              <a:spLocks noChangeAspect="1"/>
+            </p:cNvSpPr>
+            <p:nvPr/>
+          </p:nvSpPr>
+          <p:spPr>
+            <a:xfrm>
+              <a:off x="10065381" y="3380438"/>
+              <a:ext cx="182880" cy="182880"/>
+            </a:xfrm>
+            <a:prstGeom prst="cube">
+              <a:avLst/>
+            </a:prstGeom>
+            <a:solidFill>
+              <a:schemeClr val="accent4">
+                <a:lumMod val="75000"/>
+              </a:schemeClr>
+            </a:solidFill>
+            <a:ln>
+              <a:solidFill>
+                <a:schemeClr val="tx1"/>
+              </a:solidFill>
+            </a:ln>
+          </p:spPr>
+          <p:style>
+            <a:lnRef idx="2">
+              <a:schemeClr val="accent1">
+                <a:shade val="50000"/>
+              </a:schemeClr>
+            </a:lnRef>
+            <a:fillRef idx="1">
+              <a:schemeClr val="accent1"/>
+            </a:fillRef>
+            <a:effectRef idx="0">
+              <a:schemeClr val="accent1"/>
+            </a:effectRef>
+            <a:fontRef idx="minor">
+              <a:schemeClr val="lt1"/>
+            </a:fontRef>
+          </p:style>
+          <p:txBody>
+            <a:bodyPr rtlCol="0" anchor="ctr"/>
+            <a:lstStyle/>
+            <a:p>
+              <a:pPr algn="ctr"/>
+              <a:endParaRPr lang="en-US"/>
+            </a:p>
+          </p:txBody>
+        </p:sp>
+        <p:sp>
+          <p:nvSpPr>
+            <p:cNvPr id="65" name="Cube 64">
+              <a:extLst>
+                <a:ext uri="{FF2B5EF4-FFF2-40B4-BE49-F238E27FC236}">
+                  <a16:creationId xmlns:a16="http://schemas.microsoft.com/office/drawing/2014/main" id="{0FE2A17D-6165-BC47-8007-F27381870CC7}"/>
+                </a:ext>
+              </a:extLst>
+            </p:cNvPr>
+            <p:cNvSpPr>
+              <a:spLocks noChangeAspect="1"/>
+            </p:cNvSpPr>
+            <p:nvPr/>
+          </p:nvSpPr>
+          <p:spPr>
+            <a:xfrm>
+              <a:off x="10248261" y="3492599"/>
+              <a:ext cx="182880" cy="182880"/>
+            </a:xfrm>
+            <a:prstGeom prst="cube">
+              <a:avLst/>
+            </a:prstGeom>
+            <a:solidFill>
+              <a:schemeClr val="accent4">
+                <a:lumMod val="75000"/>
+              </a:schemeClr>
+            </a:solidFill>
+            <a:ln>
+              <a:solidFill>
+                <a:schemeClr val="tx1"/>
+              </a:solidFill>
+            </a:ln>
+          </p:spPr>
+          <p:style>
+            <a:lnRef idx="2">
+              <a:schemeClr val="accent1">
+                <a:shade val="50000"/>
+              </a:schemeClr>
+            </a:lnRef>
+            <a:fillRef idx="1">
+              <a:schemeClr val="accent1"/>
+            </a:fillRef>
+            <a:effectRef idx="0">
+              <a:schemeClr val="accent1"/>
+            </a:effectRef>
+            <a:fontRef idx="minor">
+              <a:schemeClr val="lt1"/>
+            </a:fontRef>
+          </p:style>
+          <p:txBody>
+            <a:bodyPr rtlCol="0" anchor="ctr"/>
+            <a:lstStyle/>
+            <a:p>
+              <a:pPr algn="ctr"/>
+              <a:endParaRPr lang="en-US"/>
+            </a:p>
+          </p:txBody>
+        </p:sp>
+        <p:sp>
+          <p:nvSpPr>
+            <p:cNvPr id="66" name="Cube 65">
+              <a:extLst>
+                <a:ext uri="{FF2B5EF4-FFF2-40B4-BE49-F238E27FC236}">
+                  <a16:creationId xmlns:a16="http://schemas.microsoft.com/office/drawing/2014/main" id="{BB050A5A-9A51-CC42-B841-7A0BA9A77FDD}"/>
+                </a:ext>
+              </a:extLst>
+            </p:cNvPr>
+            <p:cNvSpPr>
+              <a:spLocks noChangeAspect="1"/>
+            </p:cNvSpPr>
+            <p:nvPr/>
+          </p:nvSpPr>
+          <p:spPr>
+            <a:xfrm>
+              <a:off x="10248261" y="3380438"/>
+              <a:ext cx="182880" cy="182880"/>
+            </a:xfrm>
+            <a:prstGeom prst="cube">
+              <a:avLst/>
+            </a:prstGeom>
+            <a:solidFill>
+              <a:schemeClr val="accent4">
+                <a:lumMod val="75000"/>
+              </a:schemeClr>
+            </a:solidFill>
+            <a:ln>
+              <a:solidFill>
+                <a:schemeClr val="tx1"/>
+              </a:solidFill>
+            </a:ln>
+          </p:spPr>
+          <p:style>
+            <a:lnRef idx="2">
+              <a:schemeClr val="accent1">
+                <a:shade val="50000"/>
+              </a:schemeClr>
+            </a:lnRef>
+            <a:fillRef idx="1">
+              <a:schemeClr val="accent1"/>
+            </a:fillRef>
+            <a:effectRef idx="0">
+              <a:schemeClr val="accent1"/>
+            </a:effectRef>
+            <a:fontRef idx="minor">
+              <a:schemeClr val="lt1"/>
+            </a:fontRef>
+          </p:style>
+          <p:txBody>
+            <a:bodyPr rtlCol="0" anchor="ctr"/>
+            <a:lstStyle/>
+            <a:p>
+              <a:pPr algn="ctr"/>
+              <a:endParaRPr lang="en-US"/>
+            </a:p>
+          </p:txBody>
+        </p:sp>
+        <p:sp>
+          <p:nvSpPr>
+            <p:cNvPr id="67" name="Cube 66">
+              <a:extLst>
+                <a:ext uri="{FF2B5EF4-FFF2-40B4-BE49-F238E27FC236}">
+                  <a16:creationId xmlns:a16="http://schemas.microsoft.com/office/drawing/2014/main" id="{044CBABC-CE1C-1A49-BA1C-B8D7421C5F20}"/>
+                </a:ext>
+              </a:extLst>
+            </p:cNvPr>
+            <p:cNvSpPr>
+              <a:spLocks noChangeAspect="1"/>
+            </p:cNvSpPr>
+            <p:nvPr/>
+          </p:nvSpPr>
+          <p:spPr>
+            <a:xfrm>
+              <a:off x="9699621" y="3492599"/>
+              <a:ext cx="182880" cy="182880"/>
+            </a:xfrm>
+            <a:prstGeom prst="cube">
+              <a:avLst/>
+            </a:prstGeom>
+            <a:solidFill>
+              <a:schemeClr val="accent4">
+                <a:lumMod val="75000"/>
+              </a:schemeClr>
+            </a:solidFill>
+            <a:ln>
+              <a:solidFill>
+                <a:schemeClr val="tx1"/>
+              </a:solidFill>
+            </a:ln>
+          </p:spPr>
+          <p:style>
+            <a:lnRef idx="2">
+              <a:schemeClr val="accent1">
+                <a:shade val="50000"/>
+              </a:schemeClr>
+            </a:lnRef>
+            <a:fillRef idx="1">
+              <a:schemeClr val="accent1"/>
+            </a:fillRef>
+            <a:effectRef idx="0">
+              <a:schemeClr val="accent1"/>
+            </a:effectRef>
+            <a:fontRef idx="minor">
+              <a:schemeClr val="lt1"/>
+            </a:fontRef>
+          </p:style>
+          <p:txBody>
+            <a:bodyPr rtlCol="0" anchor="ctr"/>
+            <a:lstStyle/>
+            <a:p>
+              <a:pPr algn="ctr"/>
+              <a:endParaRPr lang="en-US"/>
+            </a:p>
+          </p:txBody>
+        </p:sp>
+        <p:sp>
+          <p:nvSpPr>
+            <p:cNvPr id="68" name="Cube 67">
+              <a:extLst>
+                <a:ext uri="{FF2B5EF4-FFF2-40B4-BE49-F238E27FC236}">
+                  <a16:creationId xmlns:a16="http://schemas.microsoft.com/office/drawing/2014/main" id="{93FB99CD-B71D-5648-B3B7-D9A2D85B7A20}"/>
+                </a:ext>
+              </a:extLst>
+            </p:cNvPr>
+            <p:cNvSpPr>
+              <a:spLocks noChangeAspect="1"/>
+            </p:cNvSpPr>
+            <p:nvPr/>
+          </p:nvSpPr>
+          <p:spPr>
+            <a:xfrm>
+              <a:off x="9699621" y="3380438"/>
+              <a:ext cx="182880" cy="182880"/>
+            </a:xfrm>
+            <a:prstGeom prst="cube">
+              <a:avLst/>
+            </a:prstGeom>
+            <a:solidFill>
+              <a:schemeClr val="accent4">
+                <a:lumMod val="75000"/>
+              </a:schemeClr>
+            </a:solidFill>
+            <a:ln>
+              <a:solidFill>
+                <a:schemeClr val="tx1"/>
+              </a:solidFill>
+            </a:ln>
+          </p:spPr>
+          <p:style>
+            <a:lnRef idx="2">
+              <a:schemeClr val="accent1">
+                <a:shade val="50000"/>
+              </a:schemeClr>
+            </a:lnRef>
+            <a:fillRef idx="1">
+              <a:schemeClr val="accent1"/>
+            </a:fillRef>
+            <a:effectRef idx="0">
+              <a:schemeClr val="accent1"/>
+            </a:effectRef>
+            <a:fontRef idx="minor">
+              <a:schemeClr val="lt1"/>
+            </a:fontRef>
+          </p:style>
+          <p:txBody>
+            <a:bodyPr rtlCol="0" anchor="ctr"/>
+            <a:lstStyle/>
+            <a:p>
+              <a:pPr algn="ctr"/>
+              <a:endParaRPr lang="en-US"/>
+            </a:p>
+          </p:txBody>
+        </p:sp>
+      </p:grpSp>
     </p:spTree>
     <p:extLst>
       <p:ext uri="{BB962C8B-B14F-4D97-AF65-F5344CB8AC3E}">
